--- a/08122022_Presentation.pptx
+++ b/08122022_Presentation.pptx
@@ -8,6 +8,7 @@
     <p:sldId id="256" r:id="rId2"/>
     <p:sldId id="257" r:id="rId3"/>
     <p:sldId id="258" r:id="rId4"/>
+    <p:sldId id="259" r:id="rId5"/>
   </p:sldIdLst>
   <p:sldSz cx="12192000" cy="6858000"/>
   <p:notesSz cx="6858000" cy="9144000"/>
@@ -106,6 +107,11 @@
       </a:defRPr>
     </a:lvl9pPr>
   </p:defaultTextStyle>
+  <p:extLst>
+    <p:ext uri="{EFAFB233-063F-42B5-8137-9DF3F51BA10A}">
+      <p15:sldGuideLst xmlns:p15="http://schemas.microsoft.com/office/powerpoint/2012/main"/>
+    </p:ext>
+  </p:extLst>
 </p:presentation>
 </file>
 
@@ -256,7 +262,7 @@
           <a:p>
             <a:fld id="{2B97B756-A690-3C42-B467-97CDB17DC832}" type="datetimeFigureOut">
               <a:rPr lang="en-US" smtClean="0"/>
-              <a:t>8/10/22</a:t>
+              <a:t>8/11/22</a:t>
             </a:fld>
             <a:endParaRPr lang="en-US"/>
           </a:p>
@@ -454,7 +460,7 @@
           <a:p>
             <a:fld id="{2B97B756-A690-3C42-B467-97CDB17DC832}" type="datetimeFigureOut">
               <a:rPr lang="en-US" smtClean="0"/>
-              <a:t>8/10/22</a:t>
+              <a:t>8/11/22</a:t>
             </a:fld>
             <a:endParaRPr lang="en-US"/>
           </a:p>
@@ -662,7 +668,7 @@
           <a:p>
             <a:fld id="{2B97B756-A690-3C42-B467-97CDB17DC832}" type="datetimeFigureOut">
               <a:rPr lang="en-US" smtClean="0"/>
-              <a:t>8/10/22</a:t>
+              <a:t>8/11/22</a:t>
             </a:fld>
             <a:endParaRPr lang="en-US"/>
           </a:p>
@@ -860,7 +866,7 @@
           <a:p>
             <a:fld id="{2B97B756-A690-3C42-B467-97CDB17DC832}" type="datetimeFigureOut">
               <a:rPr lang="en-US" smtClean="0"/>
-              <a:t>8/10/22</a:t>
+              <a:t>8/11/22</a:t>
             </a:fld>
             <a:endParaRPr lang="en-US"/>
           </a:p>
@@ -1135,7 +1141,7 @@
           <a:p>
             <a:fld id="{2B97B756-A690-3C42-B467-97CDB17DC832}" type="datetimeFigureOut">
               <a:rPr lang="en-US" smtClean="0"/>
-              <a:t>8/10/22</a:t>
+              <a:t>8/11/22</a:t>
             </a:fld>
             <a:endParaRPr lang="en-US"/>
           </a:p>
@@ -1400,7 +1406,7 @@
           <a:p>
             <a:fld id="{2B97B756-A690-3C42-B467-97CDB17DC832}" type="datetimeFigureOut">
               <a:rPr lang="en-US" smtClean="0"/>
-              <a:t>8/10/22</a:t>
+              <a:t>8/11/22</a:t>
             </a:fld>
             <a:endParaRPr lang="en-US"/>
           </a:p>
@@ -1812,7 +1818,7 @@
           <a:p>
             <a:fld id="{2B97B756-A690-3C42-B467-97CDB17DC832}" type="datetimeFigureOut">
               <a:rPr lang="en-US" smtClean="0"/>
-              <a:t>8/10/22</a:t>
+              <a:t>8/11/22</a:t>
             </a:fld>
             <a:endParaRPr lang="en-US"/>
           </a:p>
@@ -1953,7 +1959,7 @@
           <a:p>
             <a:fld id="{2B97B756-A690-3C42-B467-97CDB17DC832}" type="datetimeFigureOut">
               <a:rPr lang="en-US" smtClean="0"/>
-              <a:t>8/10/22</a:t>
+              <a:t>8/11/22</a:t>
             </a:fld>
             <a:endParaRPr lang="en-US"/>
           </a:p>
@@ -2066,7 +2072,7 @@
           <a:p>
             <a:fld id="{2B97B756-A690-3C42-B467-97CDB17DC832}" type="datetimeFigureOut">
               <a:rPr lang="en-US" smtClean="0"/>
-              <a:t>8/10/22</a:t>
+              <a:t>8/11/22</a:t>
             </a:fld>
             <a:endParaRPr lang="en-US"/>
           </a:p>
@@ -2377,7 +2383,7 @@
           <a:p>
             <a:fld id="{2B97B756-A690-3C42-B467-97CDB17DC832}" type="datetimeFigureOut">
               <a:rPr lang="en-US" smtClean="0"/>
-              <a:t>8/10/22</a:t>
+              <a:t>8/11/22</a:t>
             </a:fld>
             <a:endParaRPr lang="en-US"/>
           </a:p>
@@ -2665,7 +2671,7 @@
           <a:p>
             <a:fld id="{2B97B756-A690-3C42-B467-97CDB17DC832}" type="datetimeFigureOut">
               <a:rPr lang="en-US" smtClean="0"/>
-              <a:t>8/10/22</a:t>
+              <a:t>8/11/22</a:t>
             </a:fld>
             <a:endParaRPr lang="en-US"/>
           </a:p>
@@ -2906,7 +2912,7 @@
           <a:p>
             <a:fld id="{2B97B756-A690-3C42-B467-97CDB17DC832}" type="datetimeFigureOut">
               <a:rPr lang="en-US" smtClean="0"/>
-              <a:t>8/10/22</a:t>
+              <a:t>8/11/22</a:t>
             </a:fld>
             <a:endParaRPr lang="en-US"/>
           </a:p>
@@ -3636,12 +3642,47 @@
           </a:p>
         </p:txBody>
       </p:sp>
+      <p:sp>
+        <p:nvSpPr>
+          <p:cNvPr id="8" name="TextBox 7">
+            <a:extLst>
+              <a:ext uri="{FF2B5EF4-FFF2-40B4-BE49-F238E27FC236}">
+                <a16:creationId xmlns:a16="http://schemas.microsoft.com/office/drawing/2014/main" id="{7CF5A3A4-222B-40FE-328E-092DA7E8B0DC}"/>
+              </a:ext>
+            </a:extLst>
+          </p:cNvPr>
+          <p:cNvSpPr txBox="1"/>
+          <p:nvPr/>
+        </p:nvSpPr>
+        <p:spPr>
+          <a:xfrm>
+            <a:off x="8047385" y="19877"/>
+            <a:ext cx="3359426" cy="369332"/>
+          </a:xfrm>
+          <a:prstGeom prst="rect">
+            <a:avLst/>
+          </a:prstGeom>
+          <a:noFill/>
+        </p:spPr>
+        <p:txBody>
+          <a:bodyPr wrap="square" rtlCol="0">
+            <a:spAutoFit/>
+          </a:bodyPr>
+          <a:lstStyle/>
+          <a:p>
+            <a:r>
+              <a:rPr lang="en-US" dirty="0"/>
+              <a:t>New Sounding</a:t>
+            </a:r>
+          </a:p>
+        </p:txBody>
+      </p:sp>
       <p:pic>
         <p:nvPicPr>
-          <p:cNvPr id="7" name="Picture 6">
-            <a:extLst>
-              <a:ext uri="{FF2B5EF4-FFF2-40B4-BE49-F238E27FC236}">
-                <a16:creationId xmlns:a16="http://schemas.microsoft.com/office/drawing/2014/main" id="{8BB37808-FB86-41FC-DB93-C0B5E8800056}"/>
+          <p:cNvPr id="5" name="Picture 4">
+            <a:extLst>
+              <a:ext uri="{FF2B5EF4-FFF2-40B4-BE49-F238E27FC236}">
+                <a16:creationId xmlns:a16="http://schemas.microsoft.com/office/drawing/2014/main" id="{1240BA3A-C7F3-C064-E62A-AF8290AAD35B}"/>
               </a:ext>
             </a:extLst>
           </p:cNvPr>
@@ -3658,49 +3699,14 @@
         </p:blipFill>
         <p:spPr>
           <a:xfrm>
-            <a:off x="6096000" y="389209"/>
-            <a:ext cx="5758309" cy="4782066"/>
+            <a:off x="6096000" y="369332"/>
+            <a:ext cx="5758307" cy="4782064"/>
           </a:xfrm>
           <a:prstGeom prst="rect">
             <a:avLst/>
           </a:prstGeom>
         </p:spPr>
       </p:pic>
-      <p:sp>
-        <p:nvSpPr>
-          <p:cNvPr id="8" name="TextBox 7">
-            <a:extLst>
-              <a:ext uri="{FF2B5EF4-FFF2-40B4-BE49-F238E27FC236}">
-                <a16:creationId xmlns:a16="http://schemas.microsoft.com/office/drawing/2014/main" id="{7CF5A3A4-222B-40FE-328E-092DA7E8B0DC}"/>
-              </a:ext>
-            </a:extLst>
-          </p:cNvPr>
-          <p:cNvSpPr txBox="1"/>
-          <p:nvPr/>
-        </p:nvSpPr>
-        <p:spPr>
-          <a:xfrm>
-            <a:off x="8047385" y="19877"/>
-            <a:ext cx="3359426" cy="369332"/>
-          </a:xfrm>
-          <a:prstGeom prst="rect">
-            <a:avLst/>
-          </a:prstGeom>
-          <a:noFill/>
-        </p:spPr>
-        <p:txBody>
-          <a:bodyPr wrap="square" rtlCol="0">
-            <a:spAutoFit/>
-          </a:bodyPr>
-          <a:lstStyle/>
-          <a:p>
-            <a:r>
-              <a:rPr lang="en-US" dirty="0"/>
-              <a:t>New Sounding</a:t>
-            </a:r>
-          </a:p>
-        </p:txBody>
-      </p:sp>
     </p:spTree>
     <p:extLst>
       <p:ext uri="{BB962C8B-B14F-4D97-AF65-F5344CB8AC3E}">
@@ -3736,7 +3742,7 @@
           <p:cNvPr id="2" name="Title 1">
             <a:extLst>
               <a:ext uri="{FF2B5EF4-FFF2-40B4-BE49-F238E27FC236}">
-                <a16:creationId xmlns:a16="http://schemas.microsoft.com/office/drawing/2014/main" id="{C6146605-9C06-D3A1-BC31-973D0E3C627A}"/>
+                <a16:creationId xmlns:a16="http://schemas.microsoft.com/office/drawing/2014/main" id="{F41AA2B7-CA06-186E-79DF-CF95D48FF52A}"/>
               </a:ext>
             </a:extLst>
           </p:cNvPr>
@@ -3753,18 +3759,54 @@
           <a:lstStyle/>
           <a:p>
             <a:r>
+              <a:rPr lang="en-US" dirty="0" err="1"/>
+              <a:t>Rothermel</a:t>
+            </a:r>
+            <a:r>
               <a:rPr lang="en-US" dirty="0"/>
-              <a:t>Closer look at the data</a:t>
-            </a:r>
-          </a:p>
-        </p:txBody>
-      </p:sp>
-      <p:sp>
-        <p:nvSpPr>
-          <p:cNvPr id="4" name="TextBox 3">
-            <a:extLst>
-              <a:ext uri="{FF2B5EF4-FFF2-40B4-BE49-F238E27FC236}">
-                <a16:creationId xmlns:a16="http://schemas.microsoft.com/office/drawing/2014/main" id="{566991B8-3B5B-A9DA-D499-3BDB72DA58D3}"/>
+              <a:t> model</a:t>
+            </a:r>
+          </a:p>
+        </p:txBody>
+      </p:sp>
+      <p:pic>
+        <p:nvPicPr>
+          <p:cNvPr id="4" name="Content Placeholder 3">
+            <a:extLst>
+              <a:ext uri="{FF2B5EF4-FFF2-40B4-BE49-F238E27FC236}">
+                <a16:creationId xmlns:a16="http://schemas.microsoft.com/office/drawing/2014/main" id="{DC39DA5A-1ACE-D014-1805-7E1279B3F81D}"/>
+              </a:ext>
+            </a:extLst>
+          </p:cNvPr>
+          <p:cNvPicPr>
+            <a:picLocks noGrp="1" noChangeAspect="1"/>
+          </p:cNvPicPr>
+          <p:nvPr>
+            <p:ph idx="1"/>
+          </p:nvPr>
+        </p:nvPicPr>
+        <p:blipFill>
+          <a:blip r:embed="rId2"/>
+          <a:stretch>
+            <a:fillRect/>
+          </a:stretch>
+        </p:blipFill>
+        <p:spPr>
+          <a:xfrm>
+            <a:off x="838200" y="2975569"/>
+            <a:ext cx="8851900" cy="1282700"/>
+          </a:xfrm>
+          <a:prstGeom prst="rect">
+            <a:avLst/>
+          </a:prstGeom>
+        </p:spPr>
+      </p:pic>
+      <p:sp>
+        <p:nvSpPr>
+          <p:cNvPr id="5" name="TextBox 4">
+            <a:extLst>
+              <a:ext uri="{FF2B5EF4-FFF2-40B4-BE49-F238E27FC236}">
+                <a16:creationId xmlns:a16="http://schemas.microsoft.com/office/drawing/2014/main" id="{B6E55A07-FB84-2EB6-05A7-6578B60B9C05}"/>
               </a:ext>
             </a:extLst>
           </p:cNvPr>
@@ -3773,8 +3815,8 @@
         </p:nvSpPr>
         <p:spPr>
           <a:xfrm>
-            <a:off x="98854" y="5103674"/>
-            <a:ext cx="5659454" cy="1708160"/>
+            <a:off x="838200" y="4549367"/>
+            <a:ext cx="10261601" cy="923330"/>
           </a:xfrm>
           <a:prstGeom prst="rect">
             <a:avLst/>
@@ -3788,66 +3830,55 @@
           <a:lstStyle/>
           <a:p>
             <a:r>
-              <a:rPr lang="en-US" sz="1500" dirty="0"/>
-              <a:t>Values</a:t>
-            </a:r>
-          </a:p>
-          <a:p>
-            <a:r>
-              <a:rPr lang="en-US" sz="1500" dirty="0" err="1"/>
-              <a:t>Obs</a:t>
-            </a:r>
-            <a:r>
-              <a:rPr lang="en-US" sz="1500" dirty="0"/>
-              <a:t> 20m at 1200s: 10.074452838740177</a:t>
-            </a:r>
-          </a:p>
-          <a:p>
-            <a:r>
-              <a:rPr lang="en-US" sz="1500" dirty="0" err="1"/>
-              <a:t>Obs</a:t>
-            </a:r>
-            <a:r>
-              <a:rPr lang="en-US" sz="1500" dirty="0"/>
-              <a:t> 10m at 1200s: 9.176949384190804</a:t>
-            </a:r>
-          </a:p>
-          <a:p>
-            <a:r>
-              <a:rPr lang="en-US" sz="1500" dirty="0" err="1"/>
-              <a:t>Obs</a:t>
-            </a:r>
-            <a:r>
-              <a:rPr lang="en-US" sz="1500" dirty="0"/>
-              <a:t> 5.77m at 1200s: 7.578555271290169</a:t>
-            </a:r>
-          </a:p>
-          <a:p>
-            <a:r>
-              <a:rPr lang="en-US" sz="1500" dirty="0"/>
-              <a:t>Model 20m at 1200s: 9.839414</a:t>
-            </a:r>
-          </a:p>
-          <a:p>
-            <a:r>
-              <a:rPr lang="en-US" sz="1500" dirty="0"/>
-              <a:t>Model 10m at 1200s: 9.047514</a:t>
-            </a:r>
-          </a:p>
-          <a:p>
-            <a:r>
-              <a:rPr lang="en-US" sz="1500" dirty="0"/>
-              <a:t>Model 5.19m at 1200s: 5.77198</a:t>
-            </a:r>
-          </a:p>
-        </p:txBody>
-      </p:sp>
-      <p:sp>
-        <p:nvSpPr>
-          <p:cNvPr id="5" name="TextBox 4">
-            <a:extLst>
-              <a:ext uri="{FF2B5EF4-FFF2-40B4-BE49-F238E27FC236}">
-                <a16:creationId xmlns:a16="http://schemas.microsoft.com/office/drawing/2014/main" id="{291563D8-A027-8BEF-055B-4F1227966674}"/>
+              <a:rPr lang="en-US" dirty="0"/>
+              <a:t>Equation used to calculate the ROS</a:t>
+            </a:r>
+          </a:p>
+          <a:p>
+            <a:r>
+              <a:rPr lang="en-US" dirty="0" err="1"/>
+              <a:t>ros</a:t>
+            </a:r>
+            <a:r>
+              <a:rPr lang="en-US" dirty="0"/>
+              <a:t> = (r_0 * .00508 * fuel_adjr0) + ((r_0 * </a:t>
+            </a:r>
+            <a:r>
+              <a:rPr lang="en-US" dirty="0" err="1"/>
+              <a:t>phiw</a:t>
+            </a:r>
+            <a:r>
+              <a:rPr lang="en-US" dirty="0"/>
+              <a:t> * </a:t>
+            </a:r>
+            <a:r>
+              <a:rPr lang="en-US" dirty="0" err="1"/>
+              <a:t>fuel_adjw</a:t>
+            </a:r>
+            <a:r>
+              <a:rPr lang="en-US" dirty="0"/>
+              <a:t>) * .00508) + ((r_0 * phis * </a:t>
+            </a:r>
+            <a:r>
+              <a:rPr lang="en-US" dirty="0" err="1"/>
+              <a:t>fuel_adjs</a:t>
+            </a:r>
+            <a:r>
+              <a:rPr lang="en-US" dirty="0"/>
+              <a:t>) * .00508)</a:t>
+            </a:r>
+          </a:p>
+          <a:p>
+            <a:endParaRPr lang="en-US" dirty="0"/>
+          </a:p>
+        </p:txBody>
+      </p:sp>
+      <p:sp>
+        <p:nvSpPr>
+          <p:cNvPr id="6" name="TextBox 5">
+            <a:extLst>
+              <a:ext uri="{FF2B5EF4-FFF2-40B4-BE49-F238E27FC236}">
+                <a16:creationId xmlns:a16="http://schemas.microsoft.com/office/drawing/2014/main" id="{7FCEB267-3178-B5A2-D286-1A2FD8310784}"/>
               </a:ext>
             </a:extLst>
           </p:cNvPr>
@@ -3856,8 +3887,8 @@
         </p:nvSpPr>
         <p:spPr>
           <a:xfrm>
-            <a:off x="6096000" y="5171275"/>
-            <a:ext cx="5659454" cy="1154162"/>
+            <a:off x="973666" y="1385303"/>
+            <a:ext cx="6764867" cy="1477328"/>
           </a:xfrm>
           <a:prstGeom prst="rect">
             <a:avLst/>
@@ -3870,86 +3901,13 @@
           </a:bodyPr>
           <a:lstStyle/>
           <a:p>
-            <a:r>
-              <a:rPr lang="en-US" sz="1500" dirty="0"/>
-              <a:t>Values</a:t>
-            </a:r>
-          </a:p>
-          <a:p>
-            <a:pPr fontAlgn="ctr"/>
-            <a:r>
-              <a:rPr lang="en-US" sz="1500" dirty="0"/>
-              <a:t>Model 20m at 1200s: </a:t>
-            </a:r>
-            <a:r>
-              <a:rPr lang="en-US" dirty="0"/>
-              <a:t>10.975852</a:t>
-            </a:r>
-            <a:endParaRPr lang="en-US" dirty="0">
-              <a:solidFill>
-                <a:srgbClr val="000000"/>
-              </a:solidFill>
-              <a:latin typeface="Times New Roman" panose="02020603050405020304" pitchFamily="18" charset="0"/>
-            </a:endParaRPr>
-          </a:p>
-          <a:p>
-            <a:r>
-              <a:rPr lang="en-US" sz="1500" dirty="0"/>
-              <a:t>Model 10m at 1200s: </a:t>
-            </a:r>
-            <a:r>
-              <a:rPr lang="en-US" dirty="0"/>
-              <a:t>10.399845</a:t>
-            </a:r>
-          </a:p>
-          <a:p>
-            <a:r>
-              <a:rPr lang="en-US" sz="1500" dirty="0"/>
-              <a:t>Model 5.19m at 1200s: </a:t>
-            </a:r>
-            <a:r>
-              <a:rPr lang="en-US" dirty="0"/>
-              <a:t>6.771331</a:t>
-            </a:r>
-            <a:endParaRPr lang="en-US" sz="1500" dirty="0"/>
-          </a:p>
-        </p:txBody>
-      </p:sp>
-      <p:sp>
-        <p:nvSpPr>
-          <p:cNvPr id="6" name="TextBox 5">
-            <a:extLst>
-              <a:ext uri="{FF2B5EF4-FFF2-40B4-BE49-F238E27FC236}">
-                <a16:creationId xmlns:a16="http://schemas.microsoft.com/office/drawing/2014/main" id="{CE1F160D-79B8-2C60-7F5A-E1A842284B63}"/>
-              </a:ext>
-            </a:extLst>
-          </p:cNvPr>
-          <p:cNvSpPr txBox="1"/>
-          <p:nvPr/>
-        </p:nvSpPr>
-        <p:spPr>
-          <a:xfrm>
-            <a:off x="991312" y="1298961"/>
-            <a:ext cx="10425869" cy="2585323"/>
-          </a:xfrm>
-          <a:prstGeom prst="rect">
-            <a:avLst/>
-          </a:prstGeom>
-          <a:noFill/>
-        </p:spPr>
-        <p:txBody>
-          <a:bodyPr wrap="square" rtlCol="0">
-            <a:spAutoFit/>
-          </a:bodyPr>
-          <a:lstStyle/>
-          <a:p>
             <a:pPr marL="285750" indent="-285750">
               <a:buFont typeface="Arial" panose="020B0604020202020204" pitchFamily="34" charset="0"/>
               <a:buChar char="•"/>
             </a:pPr>
             <a:r>
               <a:rPr lang="en-US" dirty="0"/>
-              <a:t>With the new sounding, I increased the 20m and all the measurements below 10m by 2m/s (account for direction as well), and the 10m wind by 1m/s since it was already close to the observations. With increasing winds at 10m, It increased the winds by 1.3 m/s, below 10m, 3m increase yielded a 1m/s increase, and 20m yielded a 1m/s increase</a:t>
+              <a:t>Here are the changes I made to the model to get results other than 6m/s</a:t>
             </a:r>
           </a:p>
           <a:p>
@@ -3957,31 +3915,104 @@
               <a:buFont typeface="Arial" panose="020B0604020202020204" pitchFamily="34" charset="0"/>
               <a:buChar char="•"/>
             </a:pPr>
-            <a:endParaRPr lang="en-US" dirty="0"/>
-          </a:p>
-          <a:p>
-            <a:pPr marL="285750" indent="-285750">
-              <a:buFont typeface="Arial" panose="020B0604020202020204" pitchFamily="34" charset="0"/>
-              <a:buChar char="•"/>
-            </a:pPr>
             <a:r>
               <a:rPr lang="en-US" dirty="0"/>
-              <a:t>With this knowledge, to reach the observations, I will need to increase the base winds by about 6m/s from the baseline, the 10m winds I will need to decrease slightly (closer to 0.25 m/s increase), and the 20m winds I may need to increase them further or decrease them further to see results. </a:t>
-            </a:r>
-          </a:p>
-          <a:p>
-            <a:pPr marL="285750" indent="-285750">
-              <a:buFont typeface="Arial" panose="020B0604020202020204" pitchFamily="34" charset="0"/>
-              <a:buChar char="•"/>
-            </a:pPr>
-            <a:endParaRPr lang="en-US" dirty="0"/>
+              <a:t>I changed the formula to include the 0.00508 adjustment factor, and I read in the other adjustment factors and multiplied the wind, slope, and r_0 by those adjustment factors to get my results</a:t>
+            </a:r>
           </a:p>
         </p:txBody>
       </p:sp>
     </p:spTree>
     <p:extLst>
       <p:ext uri="{BB962C8B-B14F-4D97-AF65-F5344CB8AC3E}">
-        <p14:creationId xmlns:p14="http://schemas.microsoft.com/office/powerpoint/2010/main" val="3901121827"/>
+        <p14:creationId xmlns:p14="http://schemas.microsoft.com/office/powerpoint/2010/main" val="442008617"/>
+      </p:ext>
+    </p:extLst>
+  </p:cSld>
+  <p:clrMapOvr>
+    <a:masterClrMapping/>
+  </p:clrMapOvr>
+</p:sld>
+</file>
+
+<file path=ppt/slides/slide4.xml><?xml version="1.0" encoding="utf-8"?>
+<p:sld xmlns:a="http://schemas.openxmlformats.org/drawingml/2006/main" xmlns:r="http://schemas.openxmlformats.org/officeDocument/2006/relationships" xmlns:p="http://schemas.openxmlformats.org/presentationml/2006/main">
+  <p:cSld>
+    <p:spTree>
+      <p:nvGrpSpPr>
+        <p:cNvPr id="1" name=""/>
+        <p:cNvGrpSpPr/>
+        <p:nvPr/>
+      </p:nvGrpSpPr>
+      <p:grpSpPr>
+        <a:xfrm>
+          <a:off x="0" y="0"/>
+          <a:ext cx="0" cy="0"/>
+          <a:chOff x="0" y="0"/>
+          <a:chExt cx="0" cy="0"/>
+        </a:xfrm>
+      </p:grpSpPr>
+      <p:sp>
+        <p:nvSpPr>
+          <p:cNvPr id="2" name="Title 1">
+            <a:extLst>
+              <a:ext uri="{FF2B5EF4-FFF2-40B4-BE49-F238E27FC236}">
+                <a16:creationId xmlns:a16="http://schemas.microsoft.com/office/drawing/2014/main" id="{737854B1-721F-EBF6-EFE5-30A2D6B172C8}"/>
+              </a:ext>
+            </a:extLst>
+          </p:cNvPr>
+          <p:cNvSpPr>
+            <a:spLocks noGrp="1"/>
+          </p:cNvSpPr>
+          <p:nvPr>
+            <p:ph type="title"/>
+          </p:nvPr>
+        </p:nvSpPr>
+        <p:spPr/>
+        <p:txBody>
+          <a:bodyPr/>
+          <a:lstStyle/>
+          <a:p>
+            <a:r>
+              <a:rPr lang="en-US" dirty="0" err="1"/>
+              <a:t>Rothermel</a:t>
+            </a:r>
+            <a:r>
+              <a:rPr lang="en-US" dirty="0"/>
+              <a:t> Results</a:t>
+            </a:r>
+          </a:p>
+        </p:txBody>
+      </p:sp>
+      <p:sp>
+        <p:nvSpPr>
+          <p:cNvPr id="3" name="Content Placeholder 2">
+            <a:extLst>
+              <a:ext uri="{FF2B5EF4-FFF2-40B4-BE49-F238E27FC236}">
+                <a16:creationId xmlns:a16="http://schemas.microsoft.com/office/drawing/2014/main" id="{D7EF4285-A48B-22EC-0D6F-6EC3B0017B66}"/>
+              </a:ext>
+            </a:extLst>
+          </p:cNvPr>
+          <p:cNvSpPr>
+            <a:spLocks noGrp="1"/>
+          </p:cNvSpPr>
+          <p:nvPr>
+            <p:ph idx="1"/>
+          </p:nvPr>
+        </p:nvSpPr>
+        <p:spPr/>
+        <p:txBody>
+          <a:bodyPr/>
+          <a:lstStyle/>
+          <a:p>
+            <a:endParaRPr lang="en-US"/>
+          </a:p>
+        </p:txBody>
+      </p:sp>
+    </p:spTree>
+    <p:extLst>
+      <p:ext uri="{BB962C8B-B14F-4D97-AF65-F5344CB8AC3E}">
+        <p14:creationId xmlns:p14="http://schemas.microsoft.com/office/powerpoint/2010/main" val="2417473680"/>
       </p:ext>
     </p:extLst>
   </p:cSld>

--- a/08122022_Presentation.pptx
+++ b/08122022_Presentation.pptx
@@ -3938,6 +3938,14 @@
 <file path=ppt/slides/slide4.xml><?xml version="1.0" encoding="utf-8"?>
 <p:sld xmlns:a="http://schemas.openxmlformats.org/drawingml/2006/main" xmlns:r="http://schemas.openxmlformats.org/officeDocument/2006/relationships" xmlns:p="http://schemas.openxmlformats.org/presentationml/2006/main">
   <p:cSld>
+    <p:bg>
+      <p:bgPr>
+        <a:solidFill>
+          <a:schemeClr val="bg1"/>
+        </a:solidFill>
+        <a:effectLst/>
+      </p:bgPr>
+    </p:bg>
     <p:spTree>
       <p:nvGrpSpPr>
         <p:cNvPr id="1" name=""/>
@@ -3952,6 +3960,127 @@
           <a:chExt cx="0" cy="0"/>
         </a:xfrm>
       </p:grpSpPr>
+      <p:cxnSp>
+        <p:nvCxnSpPr>
+          <p:cNvPr id="9" name="Straight Connector 8">
+            <a:extLst>
+              <a:ext uri="{FF2B5EF4-FFF2-40B4-BE49-F238E27FC236}">
+                <a16:creationId xmlns:a16="http://schemas.microsoft.com/office/drawing/2014/main" id="{D2E961F1-4A28-4A5F-BBD4-6E400E5E6C75}"/>
+              </a:ext>
+              <a:ext uri="{C183D7F6-B498-43B3-948B-1728B52AA6E4}">
+                <adec:decorative xmlns:adec="http://schemas.microsoft.com/office/drawing/2017/decorative" val="1"/>
+              </a:ext>
+            </a:extLst>
+          </p:cNvPr>
+          <p:cNvCxnSpPr>
+            <a:cxnSpLocks noGrp="1" noRot="1" noChangeAspect="1" noMove="1" noResize="1" noEditPoints="1" noAdjustHandles="1" noChangeArrowheads="1" noChangeShapeType="1"/>
+          </p:cNvCxnSpPr>
+          <p:nvPr>
+            <p:extLst>
+              <p:ext uri="{386F3935-93C4-4BCD-93E2-E3B085C9AB24}">
+                <p16:designElem xmlns:p16="http://schemas.microsoft.com/office/powerpoint/2015/main" val="1"/>
+              </p:ext>
+            </p:extLst>
+          </p:nvPr>
+        </p:nvCxnSpPr>
+        <p:spPr bwMode="white">
+          <a:xfrm>
+            <a:off x="0" y="272357"/>
+            <a:ext cx="12188824" cy="0"/>
+          </a:xfrm>
+          <a:prstGeom prst="line">
+            <a:avLst/>
+          </a:prstGeom>
+          <a:ln w="50800">
+            <a:solidFill>
+              <a:schemeClr val="tx1">
+                <a:lumMod val="75000"/>
+                <a:lumOff val="25000"/>
+              </a:schemeClr>
+            </a:solidFill>
+          </a:ln>
+        </p:spPr>
+        <p:style>
+          <a:lnRef idx="1">
+            <a:schemeClr val="accent1"/>
+          </a:lnRef>
+          <a:fillRef idx="0">
+            <a:schemeClr val="accent1"/>
+          </a:fillRef>
+          <a:effectRef idx="0">
+            <a:schemeClr val="accent1"/>
+          </a:effectRef>
+          <a:fontRef idx="minor">
+            <a:schemeClr val="tx1"/>
+          </a:fontRef>
+        </p:style>
+      </p:cxnSp>
+      <p:sp>
+        <p:nvSpPr>
+          <p:cNvPr id="11" name="Rectangle 10">
+            <a:extLst>
+              <a:ext uri="{FF2B5EF4-FFF2-40B4-BE49-F238E27FC236}">
+                <a16:creationId xmlns:a16="http://schemas.microsoft.com/office/drawing/2014/main" id="{7F57BEA8-497D-4AA8-8A18-BDCD696B25FE}"/>
+              </a:ext>
+              <a:ext uri="{C183D7F6-B498-43B3-948B-1728B52AA6E4}">
+                <adec:decorative xmlns:adec="http://schemas.microsoft.com/office/drawing/2017/decorative" val="1"/>
+              </a:ext>
+            </a:extLst>
+          </p:cNvPr>
+          <p:cNvSpPr>
+            <a:spLocks noGrp="1" noRot="1" noChangeAspect="1" noMove="1" noResize="1" noEditPoints="1" noAdjustHandles="1" noChangeArrowheads="1" noChangeShapeType="1" noTextEdit="1"/>
+          </p:cNvSpPr>
+          <p:nvPr>
+            <p:extLst>
+              <p:ext uri="{386F3935-93C4-4BCD-93E2-E3B085C9AB24}">
+                <p16:designElem xmlns:p16="http://schemas.microsoft.com/office/powerpoint/2015/main" val="1"/>
+              </p:ext>
+            </p:extLst>
+          </p:nvPr>
+        </p:nvSpPr>
+        <p:spPr>
+          <a:xfrm>
+            <a:off x="0" y="368596"/>
+            <a:ext cx="12192000" cy="1735555"/>
+          </a:xfrm>
+          <a:prstGeom prst="rect">
+            <a:avLst/>
+          </a:prstGeom>
+          <a:solidFill>
+            <a:schemeClr val="tx1">
+              <a:lumMod val="75000"/>
+              <a:lumOff val="25000"/>
+            </a:schemeClr>
+          </a:solidFill>
+          <a:ln>
+            <a:noFill/>
+          </a:ln>
+        </p:spPr>
+        <p:style>
+          <a:lnRef idx="2">
+            <a:schemeClr val="accent1">
+              <a:shade val="50000"/>
+            </a:schemeClr>
+          </a:lnRef>
+          <a:fillRef idx="1">
+            <a:schemeClr val="accent1"/>
+          </a:fillRef>
+          <a:effectRef idx="0">
+            <a:schemeClr val="accent1"/>
+          </a:effectRef>
+          <a:fontRef idx="minor">
+            <a:schemeClr val="lt1"/>
+          </a:fontRef>
+        </p:style>
+        <p:txBody>
+          <a:bodyPr rtlCol="0" anchor="ctr"/>
+          <a:lstStyle/>
+          <a:p>
+            <a:pPr algn="ctr"/>
+            <a:endParaRPr lang="en-US"/>
+          </a:p>
+        </p:txBody>
+      </p:sp>
       <p:sp>
         <p:nvSpPr>
           <p:cNvPr id="2" name="Title 1">
@@ -3968,47 +4097,174 @@
             <p:ph type="title"/>
           </p:nvPr>
         </p:nvSpPr>
-        <p:spPr/>
-        <p:txBody>
-          <a:bodyPr/>
-          <a:lstStyle/>
-          <a:p>
-            <a:r>
-              <a:rPr lang="en-US" dirty="0" err="1"/>
-              <a:t>Rothermel</a:t>
-            </a:r>
-            <a:r>
-              <a:rPr lang="en-US" dirty="0"/>
-              <a:t> Results</a:t>
-            </a:r>
-          </a:p>
-        </p:txBody>
-      </p:sp>
-      <p:sp>
-        <p:nvSpPr>
-          <p:cNvPr id="3" name="Content Placeholder 2">
-            <a:extLst>
-              <a:ext uri="{FF2B5EF4-FFF2-40B4-BE49-F238E27FC236}">
-                <a16:creationId xmlns:a16="http://schemas.microsoft.com/office/drawing/2014/main" id="{D7EF4285-A48B-22EC-0D6F-6EC3B0017B66}"/>
-              </a:ext>
-            </a:extLst>
-          </p:cNvPr>
-          <p:cNvSpPr>
-            <a:spLocks noGrp="1"/>
-          </p:cNvSpPr>
+        <p:spPr>
+          <a:xfrm>
+            <a:off x="526073" y="489439"/>
+            <a:ext cx="11139854" cy="930447"/>
+          </a:xfrm>
+        </p:spPr>
+        <p:txBody>
+          <a:bodyPr vert="horz" lIns="91440" tIns="45720" rIns="91440" bIns="45720" rtlCol="0" anchor="b">
+            <a:normAutofit/>
+          </a:bodyPr>
+          <a:lstStyle/>
+          <a:p>
+            <a:pPr algn="ctr"/>
+            <a:r>
+              <a:rPr lang="en-US" sz="5400" kern="1200">
+                <a:solidFill>
+                  <a:schemeClr val="bg1"/>
+                </a:solidFill>
+                <a:latin typeface="+mj-lt"/>
+                <a:ea typeface="+mj-ea"/>
+                <a:cs typeface="+mj-cs"/>
+              </a:rPr>
+              <a:t>Rothermel Results</a:t>
+            </a:r>
+          </a:p>
+        </p:txBody>
+      </p:sp>
+      <p:cxnSp>
+        <p:nvCxnSpPr>
+          <p:cNvPr id="13" name="Straight Connector 12">
+            <a:extLst>
+              <a:ext uri="{FF2B5EF4-FFF2-40B4-BE49-F238E27FC236}">
+                <a16:creationId xmlns:a16="http://schemas.microsoft.com/office/drawing/2014/main" id="{A82415D3-DDE5-4D63-8CB3-23A5EC581B27}"/>
+              </a:ext>
+              <a:ext uri="{C183D7F6-B498-43B3-948B-1728B52AA6E4}">
+                <adec:decorative xmlns:adec="http://schemas.microsoft.com/office/drawing/2017/decorative" val="1"/>
+              </a:ext>
+            </a:extLst>
+          </p:cNvPr>
+          <p:cNvCxnSpPr>
+            <a:cxnSpLocks noGrp="1" noRot="1" noChangeAspect="1" noMove="1" noResize="1" noEditPoints="1" noAdjustHandles="1" noChangeArrowheads="1" noChangeShapeType="1"/>
+          </p:cNvCxnSpPr>
+          <p:nvPr>
+            <p:extLst>
+              <p:ext uri="{386F3935-93C4-4BCD-93E2-E3B085C9AB24}">
+                <p16:designElem xmlns:p16="http://schemas.microsoft.com/office/powerpoint/2015/main" val="1"/>
+              </p:ext>
+            </p:extLst>
+          </p:nvPr>
+        </p:nvCxnSpPr>
+        <p:spPr>
+          <a:xfrm>
+            <a:off x="4724400" y="1479733"/>
+            <a:ext cx="2743200" cy="0"/>
+          </a:xfrm>
+          <a:prstGeom prst="line">
+            <a:avLst/>
+          </a:prstGeom>
+          <a:ln w="19050">
+            <a:solidFill>
+              <a:schemeClr val="bg1">
+                <a:alpha val="75000"/>
+              </a:schemeClr>
+            </a:solidFill>
+          </a:ln>
+        </p:spPr>
+        <p:style>
+          <a:lnRef idx="1">
+            <a:schemeClr val="accent1"/>
+          </a:lnRef>
+          <a:fillRef idx="0">
+            <a:schemeClr val="accent1"/>
+          </a:fillRef>
+          <a:effectRef idx="0">
+            <a:schemeClr val="accent1"/>
+          </a:effectRef>
+          <a:fontRef idx="minor">
+            <a:schemeClr val="tx1"/>
+          </a:fontRef>
+        </p:style>
+      </p:cxnSp>
+      <p:cxnSp>
+        <p:nvCxnSpPr>
+          <p:cNvPr id="15" name="Straight Connector 14">
+            <a:extLst>
+              <a:ext uri="{FF2B5EF4-FFF2-40B4-BE49-F238E27FC236}">
+                <a16:creationId xmlns:a16="http://schemas.microsoft.com/office/drawing/2014/main" id="{AD7193FB-6AE6-4B3B-8F89-56B55DD63B4D}"/>
+              </a:ext>
+              <a:ext uri="{C183D7F6-B498-43B3-948B-1728B52AA6E4}">
+                <adec:decorative xmlns:adec="http://schemas.microsoft.com/office/drawing/2017/decorative" val="1"/>
+              </a:ext>
+            </a:extLst>
+          </p:cNvPr>
+          <p:cNvCxnSpPr>
+            <a:cxnSpLocks noGrp="1" noRot="1" noChangeAspect="1" noMove="1" noResize="1" noEditPoints="1" noAdjustHandles="1" noChangeArrowheads="1" noChangeShapeType="1"/>
+          </p:cNvCxnSpPr>
+          <p:nvPr>
+            <p:extLst>
+              <p:ext uri="{386F3935-93C4-4BCD-93E2-E3B085C9AB24}">
+                <p16:designElem xmlns:p16="http://schemas.microsoft.com/office/powerpoint/2015/main" val="1"/>
+              </p:ext>
+            </p:extLst>
+          </p:nvPr>
+        </p:nvCxnSpPr>
+        <p:spPr bwMode="white">
+          <a:xfrm>
+            <a:off x="0" y="2201402"/>
+            <a:ext cx="12188824" cy="0"/>
+          </a:xfrm>
+          <a:prstGeom prst="line">
+            <a:avLst/>
+          </a:prstGeom>
+          <a:ln w="50800">
+            <a:solidFill>
+              <a:schemeClr val="tx1">
+                <a:lumMod val="75000"/>
+                <a:lumOff val="25000"/>
+              </a:schemeClr>
+            </a:solidFill>
+          </a:ln>
+        </p:spPr>
+        <p:style>
+          <a:lnRef idx="1">
+            <a:schemeClr val="accent1"/>
+          </a:lnRef>
+          <a:fillRef idx="0">
+            <a:schemeClr val="accent1"/>
+          </a:fillRef>
+          <a:effectRef idx="0">
+            <a:schemeClr val="accent1"/>
+          </a:effectRef>
+          <a:fontRef idx="minor">
+            <a:schemeClr val="tx1"/>
+          </a:fontRef>
+        </p:style>
+      </p:cxnSp>
+      <p:pic>
+        <p:nvPicPr>
+          <p:cNvPr id="4" name="Content Placeholder 3">
+            <a:extLst>
+              <a:ext uri="{FF2B5EF4-FFF2-40B4-BE49-F238E27FC236}">
+                <a16:creationId xmlns:a16="http://schemas.microsoft.com/office/drawing/2014/main" id="{C7FBFFD6-92C4-8D07-6BD5-83F72220C36B}"/>
+              </a:ext>
+            </a:extLst>
+          </p:cNvPr>
+          <p:cNvPicPr>
+            <a:picLocks noGrp="1" noChangeAspect="1"/>
+          </p:cNvPicPr>
           <p:nvPr>
             <p:ph idx="1"/>
           </p:nvPr>
-        </p:nvSpPr>
-        <p:spPr/>
-        <p:txBody>
-          <a:bodyPr/>
-          <a:lstStyle/>
-          <a:p>
-            <a:endParaRPr lang="en-US"/>
-          </a:p>
-        </p:txBody>
-      </p:sp>
+        </p:nvPicPr>
+        <p:blipFill>
+          <a:blip r:embed="rId2"/>
+          <a:stretch>
+            <a:fillRect/>
+          </a:stretch>
+        </p:blipFill>
+        <p:spPr>
+          <a:xfrm>
+            <a:off x="320040" y="2601241"/>
+            <a:ext cx="11496821" cy="3650237"/>
+          </a:xfrm>
+          <a:prstGeom prst="rect">
+            <a:avLst/>
+          </a:prstGeom>
+        </p:spPr>
+      </p:pic>
     </p:spTree>
     <p:extLst>
       <p:ext uri="{BB962C8B-B14F-4D97-AF65-F5344CB8AC3E}">
